--- a/Logo.pptx
+++ b/Logo.pptx
@@ -6,6 +6,8 @@
   </p:sldMasterIdLst>
   <p:sldIdLst>
     <p:sldId id="256" r:id="rId2"/>
+    <p:sldId id="257" r:id="rId3"/>
+    <p:sldId id="258" r:id="rId4"/>
   </p:sldIdLst>
   <p:sldSz cx="9144000" cy="6858000" type="screen4x3"/>
   <p:notesSz cx="6858000" cy="9144000"/>
@@ -288,7 +290,7 @@
           <a:p>
             <a:fld id="{FA724A46-E0B5-4684-B13F-6352845667F5}" type="datetimeFigureOut">
               <a:rPr kumimoji="1" lang="ja-JP" altLang="en-US" smtClean="0"/>
-              <a:t>2016/1/24</a:t>
+              <a:t>2019/1/26</a:t>
             </a:fld>
             <a:endParaRPr kumimoji="1" lang="ja-JP" altLang="en-US"/>
           </a:p>
@@ -490,7 +492,7 @@
           <a:p>
             <a:fld id="{FA724A46-E0B5-4684-B13F-6352845667F5}" type="datetimeFigureOut">
               <a:rPr kumimoji="1" lang="ja-JP" altLang="en-US" smtClean="0"/>
-              <a:t>2016/1/24</a:t>
+              <a:t>2019/1/26</a:t>
             </a:fld>
             <a:endParaRPr kumimoji="1" lang="ja-JP" altLang="en-US"/>
           </a:p>
@@ -702,7 +704,7 @@
           <a:p>
             <a:fld id="{FA724A46-E0B5-4684-B13F-6352845667F5}" type="datetimeFigureOut">
               <a:rPr kumimoji="1" lang="ja-JP" altLang="en-US" smtClean="0"/>
-              <a:t>2016/1/24</a:t>
+              <a:t>2019/1/26</a:t>
             </a:fld>
             <a:endParaRPr kumimoji="1" lang="ja-JP" altLang="en-US"/>
           </a:p>
@@ -904,7 +906,7 @@
           <a:p>
             <a:fld id="{FA724A46-E0B5-4684-B13F-6352845667F5}" type="datetimeFigureOut">
               <a:rPr kumimoji="1" lang="ja-JP" altLang="en-US" smtClean="0"/>
-              <a:t>2016/1/24</a:t>
+              <a:t>2019/1/26</a:t>
             </a:fld>
             <a:endParaRPr kumimoji="1" lang="ja-JP" altLang="en-US"/>
           </a:p>
@@ -1150,7 +1152,7 @@
           <a:p>
             <a:fld id="{FA724A46-E0B5-4684-B13F-6352845667F5}" type="datetimeFigureOut">
               <a:rPr kumimoji="1" lang="ja-JP" altLang="en-US" smtClean="0"/>
-              <a:t>2016/1/24</a:t>
+              <a:t>2019/1/26</a:t>
             </a:fld>
             <a:endParaRPr kumimoji="1" lang="ja-JP" altLang="en-US"/>
           </a:p>
@@ -1502,7 +1504,7 @@
           <a:p>
             <a:fld id="{FA724A46-E0B5-4684-B13F-6352845667F5}" type="datetimeFigureOut">
               <a:rPr kumimoji="1" lang="ja-JP" altLang="en-US" smtClean="0"/>
-              <a:t>2016/1/24</a:t>
+              <a:t>2019/1/26</a:t>
             </a:fld>
             <a:endParaRPr kumimoji="1" lang="ja-JP" altLang="en-US"/>
           </a:p>
@@ -1988,7 +1990,7 @@
           <a:p>
             <a:fld id="{FA724A46-E0B5-4684-B13F-6352845667F5}" type="datetimeFigureOut">
               <a:rPr kumimoji="1" lang="ja-JP" altLang="en-US" smtClean="0"/>
-              <a:t>2016/1/24</a:t>
+              <a:t>2019/1/26</a:t>
             </a:fld>
             <a:endParaRPr kumimoji="1" lang="ja-JP" altLang="en-US"/>
           </a:p>
@@ -2106,7 +2108,7 @@
           <a:p>
             <a:fld id="{FA724A46-E0B5-4684-B13F-6352845667F5}" type="datetimeFigureOut">
               <a:rPr kumimoji="1" lang="ja-JP" altLang="en-US" smtClean="0"/>
-              <a:t>2016/1/24</a:t>
+              <a:t>2019/1/26</a:t>
             </a:fld>
             <a:endParaRPr kumimoji="1" lang="ja-JP" altLang="en-US"/>
           </a:p>
@@ -2201,7 +2203,7 @@
           <a:p>
             <a:fld id="{FA724A46-E0B5-4684-B13F-6352845667F5}" type="datetimeFigureOut">
               <a:rPr kumimoji="1" lang="ja-JP" altLang="en-US" smtClean="0"/>
-              <a:t>2016/1/24</a:t>
+              <a:t>2019/1/26</a:t>
             </a:fld>
             <a:endParaRPr kumimoji="1" lang="ja-JP" altLang="en-US"/>
           </a:p>
@@ -2510,7 +2512,7 @@
           <a:p>
             <a:fld id="{FA724A46-E0B5-4684-B13F-6352845667F5}" type="datetimeFigureOut">
               <a:rPr kumimoji="1" lang="ja-JP" altLang="en-US" smtClean="0"/>
-              <a:t>2016/1/24</a:t>
+              <a:t>2019/1/26</a:t>
             </a:fld>
             <a:endParaRPr kumimoji="1" lang="ja-JP" altLang="en-US"/>
           </a:p>
@@ -2763,7 +2765,7 @@
           <a:p>
             <a:fld id="{FA724A46-E0B5-4684-B13F-6352845667F5}" type="datetimeFigureOut">
               <a:rPr kumimoji="1" lang="ja-JP" altLang="en-US" smtClean="0"/>
-              <a:t>2016/1/24</a:t>
+              <a:t>2019/1/26</a:t>
             </a:fld>
             <a:endParaRPr kumimoji="1" lang="ja-JP" altLang="en-US"/>
           </a:p>
@@ -3008,7 +3010,7 @@
           <a:p>
             <a:fld id="{FA724A46-E0B5-4684-B13F-6352845667F5}" type="datetimeFigureOut">
               <a:rPr kumimoji="1" lang="ja-JP" altLang="en-US" smtClean="0"/>
-              <a:t>2016/1/24</a:t>
+              <a:t>2019/1/26</a:t>
             </a:fld>
             <a:endParaRPr kumimoji="1" lang="ja-JP" altLang="en-US"/>
           </a:p>
@@ -3439,6 +3441,178 @@
     <p:extLst>
       <p:ext uri="{BB962C8B-B14F-4D97-AF65-F5344CB8AC3E}">
         <p14:creationId xmlns:p14="http://schemas.microsoft.com/office/powerpoint/2010/main" val="1086208863"/>
+      </p:ext>
+    </p:extLst>
+  </p:cSld>
+  <p:clrMapOvr>
+    <a:masterClrMapping/>
+  </p:clrMapOvr>
+</p:sld>
+</file>
+
+<file path=ppt/slides/slide2.xml><?xml version="1.0" encoding="utf-8"?>
+<p:sld xmlns:a="http://schemas.openxmlformats.org/drawingml/2006/main" xmlns:r="http://schemas.openxmlformats.org/officeDocument/2006/relationships" xmlns:p="http://schemas.openxmlformats.org/presentationml/2006/main">
+  <p:cSld>
+    <p:spTree>
+      <p:nvGrpSpPr>
+        <p:cNvPr id="1" name=""/>
+        <p:cNvGrpSpPr/>
+        <p:nvPr/>
+      </p:nvGrpSpPr>
+      <p:grpSpPr>
+        <a:xfrm>
+          <a:off x="0" y="0"/>
+          <a:ext cx="0" cy="0"/>
+          <a:chOff x="0" y="0"/>
+          <a:chExt cx="0" cy="0"/>
+        </a:xfrm>
+      </p:grpSpPr>
+      <p:sp>
+        <p:nvSpPr>
+          <p:cNvPr id="4" name="テキスト ボックス 3"/>
+          <p:cNvSpPr txBox="1"/>
+          <p:nvPr/>
+        </p:nvSpPr>
+        <p:spPr>
+          <a:xfrm>
+            <a:off x="179512" y="1988839"/>
+            <a:ext cx="8422498" cy="2554545"/>
+          </a:xfrm>
+          <a:prstGeom prst="rect">
+            <a:avLst/>
+          </a:prstGeom>
+          <a:noFill/>
+        </p:spPr>
+        <p:txBody>
+          <a:bodyPr wrap="none" rtlCol="0">
+            <a:spAutoFit/>
+          </a:bodyPr>
+          <a:lstStyle/>
+          <a:p>
+            <a:r>
+              <a:rPr kumimoji="1" lang="en-US" altLang="ja-JP" sz="8000" b="1" i="1" dirty="0" smtClean="0">
+                <a:latin typeface="Times New Roman" panose="02020603050405020304" pitchFamily="18" charset="0"/>
+                <a:cs typeface="Times New Roman" panose="02020603050405020304" pitchFamily="18" charset="0"/>
+              </a:rPr>
+              <a:t>Verdi </a:t>
+            </a:r>
+            <a:r>
+              <a:rPr kumimoji="1" lang="en-US" altLang="ja-JP" sz="8000" b="1" i="1" dirty="0" smtClean="0">
+                <a:latin typeface="Times New Roman" panose="02020603050405020304" pitchFamily="18" charset="0"/>
+                <a:cs typeface="Times New Roman" panose="02020603050405020304" pitchFamily="18" charset="0"/>
+              </a:rPr>
+              <a:t>RT</a:t>
+            </a:r>
+          </a:p>
+          <a:p>
+            <a:r>
+              <a:rPr lang="en-US" altLang="ja-JP" sz="8000" b="1" i="1" dirty="0" err="1" smtClean="0">
+                <a:latin typeface="Times New Roman" panose="02020603050405020304" pitchFamily="18" charset="0"/>
+                <a:cs typeface="Times New Roman" panose="02020603050405020304" pitchFamily="18" charset="0"/>
+              </a:rPr>
+              <a:t>S.Hirai</a:t>
+            </a:r>
+            <a:r>
+              <a:rPr lang="en-US" altLang="ja-JP" sz="8000" b="1" i="1" dirty="0" smtClean="0">
+                <a:latin typeface="Times New Roman" panose="02020603050405020304" pitchFamily="18" charset="0"/>
+                <a:cs typeface="Times New Roman" panose="02020603050405020304" pitchFamily="18" charset="0"/>
+              </a:rPr>
+              <a:t>  </a:t>
+            </a:r>
+            <a:r>
+              <a:rPr lang="en-US" altLang="ja-JP" sz="8000" b="1" i="1" dirty="0" smtClean="0">
+                <a:latin typeface="Times New Roman" panose="02020603050405020304" pitchFamily="18" charset="0"/>
+                <a:cs typeface="Times New Roman" panose="02020603050405020304" pitchFamily="18" charset="0"/>
+              </a:rPr>
+              <a:t>2019.01.26</a:t>
+            </a:r>
+            <a:endParaRPr kumimoji="1" lang="ja-JP" altLang="en-US" sz="8000" b="1" i="1" dirty="0">
+              <a:latin typeface="Times New Roman" panose="02020603050405020304" pitchFamily="18" charset="0"/>
+              <a:cs typeface="Times New Roman" panose="02020603050405020304" pitchFamily="18" charset="0"/>
+            </a:endParaRPr>
+          </a:p>
+        </p:txBody>
+      </p:sp>
+    </p:spTree>
+    <p:extLst>
+      <p:ext uri="{BB962C8B-B14F-4D97-AF65-F5344CB8AC3E}">
+        <p14:creationId xmlns:p14="http://schemas.microsoft.com/office/powerpoint/2010/main" val="3025438588"/>
+      </p:ext>
+    </p:extLst>
+  </p:cSld>
+  <p:clrMapOvr>
+    <a:masterClrMapping/>
+  </p:clrMapOvr>
+</p:sld>
+</file>
+
+<file path=ppt/slides/slide3.xml><?xml version="1.0" encoding="utf-8"?>
+<p:sld xmlns:a="http://schemas.openxmlformats.org/drawingml/2006/main" xmlns:r="http://schemas.openxmlformats.org/officeDocument/2006/relationships" xmlns:p="http://schemas.openxmlformats.org/presentationml/2006/main">
+  <p:cSld>
+    <p:spTree>
+      <p:nvGrpSpPr>
+        <p:cNvPr id="1" name=""/>
+        <p:cNvGrpSpPr/>
+        <p:nvPr/>
+      </p:nvGrpSpPr>
+      <p:grpSpPr>
+        <a:xfrm>
+          <a:off x="0" y="0"/>
+          <a:ext cx="0" cy="0"/>
+          <a:chOff x="0" y="0"/>
+          <a:chExt cx="0" cy="0"/>
+        </a:xfrm>
+      </p:grpSpPr>
+      <p:sp>
+        <p:nvSpPr>
+          <p:cNvPr id="2" name="タイトル 1"/>
+          <p:cNvSpPr>
+            <a:spLocks noGrp="1"/>
+          </p:cNvSpPr>
+          <p:nvPr>
+            <p:ph type="title"/>
+          </p:nvPr>
+        </p:nvSpPr>
+        <p:spPr/>
+        <p:txBody>
+          <a:bodyPr/>
+          <a:lstStyle/>
+          <a:p>
+            <a:r>
+              <a:rPr kumimoji="1" lang="en-US" altLang="ja-JP" dirty="0" smtClean="0"/>
+              <a:t>Setting</a:t>
+            </a:r>
+            <a:endParaRPr kumimoji="1" lang="ja-JP" altLang="en-US" dirty="0"/>
+          </a:p>
+        </p:txBody>
+      </p:sp>
+      <p:sp>
+        <p:nvSpPr>
+          <p:cNvPr id="3" name="コンテンツ プレースホルダー 2"/>
+          <p:cNvSpPr>
+            <a:spLocks noGrp="1"/>
+          </p:cNvSpPr>
+          <p:nvPr>
+            <p:ph idx="1"/>
+          </p:nvPr>
+        </p:nvSpPr>
+        <p:spPr/>
+        <p:txBody>
+          <a:bodyPr/>
+          <a:lstStyle/>
+          <a:p>
+            <a:r>
+              <a:rPr kumimoji="1" lang="en-US" altLang="ja-JP" smtClean="0"/>
+              <a:t>Scale factor: 0.7</a:t>
+            </a:r>
+            <a:endParaRPr kumimoji="1" lang="ja-JP" altLang="en-US" dirty="0"/>
+          </a:p>
+        </p:txBody>
+      </p:sp>
+    </p:spTree>
+    <p:extLst>
+      <p:ext uri="{BB962C8B-B14F-4D97-AF65-F5344CB8AC3E}">
+        <p14:creationId xmlns:p14="http://schemas.microsoft.com/office/powerpoint/2010/main" val="1740432702"/>
       </p:ext>
     </p:extLst>
   </p:cSld>

--- a/Logo.pptx
+++ b/Logo.pptx
@@ -290,7 +290,7 @@
           <a:p>
             <a:fld id="{FA724A46-E0B5-4684-B13F-6352845667F5}" type="datetimeFigureOut">
               <a:rPr kumimoji="1" lang="ja-JP" altLang="en-US" smtClean="0"/>
-              <a:t>2019/1/26</a:t>
+              <a:t>2019/2/11</a:t>
             </a:fld>
             <a:endParaRPr kumimoji="1" lang="ja-JP" altLang="en-US"/>
           </a:p>
@@ -492,7 +492,7 @@
           <a:p>
             <a:fld id="{FA724A46-E0B5-4684-B13F-6352845667F5}" type="datetimeFigureOut">
               <a:rPr kumimoji="1" lang="ja-JP" altLang="en-US" smtClean="0"/>
-              <a:t>2019/1/26</a:t>
+              <a:t>2019/2/11</a:t>
             </a:fld>
             <a:endParaRPr kumimoji="1" lang="ja-JP" altLang="en-US"/>
           </a:p>
@@ -704,7 +704,7 @@
           <a:p>
             <a:fld id="{FA724A46-E0B5-4684-B13F-6352845667F5}" type="datetimeFigureOut">
               <a:rPr kumimoji="1" lang="ja-JP" altLang="en-US" smtClean="0"/>
-              <a:t>2019/1/26</a:t>
+              <a:t>2019/2/11</a:t>
             </a:fld>
             <a:endParaRPr kumimoji="1" lang="ja-JP" altLang="en-US"/>
           </a:p>
@@ -906,7 +906,7 @@
           <a:p>
             <a:fld id="{FA724A46-E0B5-4684-B13F-6352845667F5}" type="datetimeFigureOut">
               <a:rPr kumimoji="1" lang="ja-JP" altLang="en-US" smtClean="0"/>
-              <a:t>2019/1/26</a:t>
+              <a:t>2019/2/11</a:t>
             </a:fld>
             <a:endParaRPr kumimoji="1" lang="ja-JP" altLang="en-US"/>
           </a:p>
@@ -1152,7 +1152,7 @@
           <a:p>
             <a:fld id="{FA724A46-E0B5-4684-B13F-6352845667F5}" type="datetimeFigureOut">
               <a:rPr kumimoji="1" lang="ja-JP" altLang="en-US" smtClean="0"/>
-              <a:t>2019/1/26</a:t>
+              <a:t>2019/2/11</a:t>
             </a:fld>
             <a:endParaRPr kumimoji="1" lang="ja-JP" altLang="en-US"/>
           </a:p>
@@ -1504,7 +1504,7 @@
           <a:p>
             <a:fld id="{FA724A46-E0B5-4684-B13F-6352845667F5}" type="datetimeFigureOut">
               <a:rPr kumimoji="1" lang="ja-JP" altLang="en-US" smtClean="0"/>
-              <a:t>2019/1/26</a:t>
+              <a:t>2019/2/11</a:t>
             </a:fld>
             <a:endParaRPr kumimoji="1" lang="ja-JP" altLang="en-US"/>
           </a:p>
@@ -1990,7 +1990,7 @@
           <a:p>
             <a:fld id="{FA724A46-E0B5-4684-B13F-6352845667F5}" type="datetimeFigureOut">
               <a:rPr kumimoji="1" lang="ja-JP" altLang="en-US" smtClean="0"/>
-              <a:t>2019/1/26</a:t>
+              <a:t>2019/2/11</a:t>
             </a:fld>
             <a:endParaRPr kumimoji="1" lang="ja-JP" altLang="en-US"/>
           </a:p>
@@ -2108,7 +2108,7 @@
           <a:p>
             <a:fld id="{FA724A46-E0B5-4684-B13F-6352845667F5}" type="datetimeFigureOut">
               <a:rPr kumimoji="1" lang="ja-JP" altLang="en-US" smtClean="0"/>
-              <a:t>2019/1/26</a:t>
+              <a:t>2019/2/11</a:t>
             </a:fld>
             <a:endParaRPr kumimoji="1" lang="ja-JP" altLang="en-US"/>
           </a:p>
@@ -2203,7 +2203,7 @@
           <a:p>
             <a:fld id="{FA724A46-E0B5-4684-B13F-6352845667F5}" type="datetimeFigureOut">
               <a:rPr kumimoji="1" lang="ja-JP" altLang="en-US" smtClean="0"/>
-              <a:t>2019/1/26</a:t>
+              <a:t>2019/2/11</a:t>
             </a:fld>
             <a:endParaRPr kumimoji="1" lang="ja-JP" altLang="en-US"/>
           </a:p>
@@ -2512,7 +2512,7 @@
           <a:p>
             <a:fld id="{FA724A46-E0B5-4684-B13F-6352845667F5}" type="datetimeFigureOut">
               <a:rPr kumimoji="1" lang="ja-JP" altLang="en-US" smtClean="0"/>
-              <a:t>2019/1/26</a:t>
+              <a:t>2019/2/11</a:t>
             </a:fld>
             <a:endParaRPr kumimoji="1" lang="ja-JP" altLang="en-US"/>
           </a:p>
@@ -2765,7 +2765,7 @@
           <a:p>
             <a:fld id="{FA724A46-E0B5-4684-B13F-6352845667F5}" type="datetimeFigureOut">
               <a:rPr kumimoji="1" lang="ja-JP" altLang="en-US" smtClean="0"/>
-              <a:t>2019/1/26</a:t>
+              <a:t>2019/2/11</a:t>
             </a:fld>
             <a:endParaRPr kumimoji="1" lang="ja-JP" altLang="en-US"/>
           </a:p>
@@ -3010,7 +3010,7 @@
           <a:p>
             <a:fld id="{FA724A46-E0B5-4684-B13F-6352845667F5}" type="datetimeFigureOut">
               <a:rPr kumimoji="1" lang="ja-JP" altLang="en-US" smtClean="0"/>
-              <a:t>2019/1/26</a:t>
+              <a:t>2019/2/11</a:t>
             </a:fld>
             <a:endParaRPr kumimoji="1" lang="ja-JP" altLang="en-US"/>
           </a:p>
@@ -3476,7 +3476,7 @@
         <p:spPr>
           <a:xfrm>
             <a:off x="179512" y="1988839"/>
-            <a:ext cx="8422498" cy="2554545"/>
+            <a:ext cx="8365880" cy="2554545"/>
           </a:xfrm>
           <a:prstGeom prst="rect">
             <a:avLst/>
@@ -3494,14 +3494,7 @@
                 <a:latin typeface="Times New Roman" panose="02020603050405020304" pitchFamily="18" charset="0"/>
                 <a:cs typeface="Times New Roman" panose="02020603050405020304" pitchFamily="18" charset="0"/>
               </a:rPr>
-              <a:t>Verdi </a:t>
-            </a:r>
-            <a:r>
-              <a:rPr kumimoji="1" lang="en-US" altLang="ja-JP" sz="8000" b="1" i="1" dirty="0" smtClean="0">
-                <a:latin typeface="Times New Roman" panose="02020603050405020304" pitchFamily="18" charset="0"/>
-                <a:cs typeface="Times New Roman" panose="02020603050405020304" pitchFamily="18" charset="0"/>
-              </a:rPr>
-              <a:t>RT</a:t>
+              <a:t>Verdi RT</a:t>
             </a:r>
           </a:p>
           <a:p>
@@ -3513,18 +3506,18 @@
               <a:t>S.Hirai</a:t>
             </a:r>
             <a:r>
-              <a:rPr lang="en-US" altLang="ja-JP" sz="8000" b="1" i="1" dirty="0" smtClean="0">
+              <a:rPr lang="en-US" altLang="ja-JP" sz="8000" b="1" i="1" smtClean="0">
                 <a:latin typeface="Times New Roman" panose="02020603050405020304" pitchFamily="18" charset="0"/>
                 <a:cs typeface="Times New Roman" panose="02020603050405020304" pitchFamily="18" charset="0"/>
               </a:rPr>
               <a:t>  </a:t>
             </a:r>
             <a:r>
-              <a:rPr lang="en-US" altLang="ja-JP" sz="8000" b="1" i="1" dirty="0" smtClean="0">
+              <a:rPr lang="en-US" altLang="ja-JP" sz="8000" b="1" i="1" smtClean="0">
                 <a:latin typeface="Times New Roman" panose="02020603050405020304" pitchFamily="18" charset="0"/>
                 <a:cs typeface="Times New Roman" panose="02020603050405020304" pitchFamily="18" charset="0"/>
               </a:rPr>
-              <a:t>2019.01.26</a:t>
+              <a:t>2019.02.11</a:t>
             </a:r>
             <a:endParaRPr kumimoji="1" lang="ja-JP" altLang="en-US" sz="8000" b="1" i="1" dirty="0">
               <a:latin typeface="Times New Roman" panose="02020603050405020304" pitchFamily="18" charset="0"/>
